--- a/Dokumentumok/PPT/abra.pptx
+++ b/Dokumentumok/PPT/abra.pptx
@@ -1,11 +1,11 @@
 
 <file path=ppt/presentation.xml><?xml version="1.0" encoding="utf-8"?>
-<p:presentation xmlns:a="http://schemas.openxmlformats.org/drawingml/2006/main" xmlns:r="http://schemas.openxmlformats.org/officeDocument/2006/relationships" xmlns:p="http://schemas.openxmlformats.org/presentationml/2006/main" xmlns:m="http://schemas.openxmlformats.org/officeDocument/2006/math" xmlns:w="http://schemas.openxmlformats.org/wordprocessingml/2006/main" saveSubsetFonts="1">
+<p:presentation xmlns:a="http://schemas.openxmlformats.org/drawingml/2006/main" xmlns:r="http://schemas.openxmlformats.org/officeDocument/2006/relationships" xmlns:p="http://schemas.openxmlformats.org/presentationml/2006/main" saveSubsetFonts="1">
   <p:sldMasterIdLst>
     <p:sldMasterId id="2147483648" r:id="rId1"/>
   </p:sldMasterIdLst>
   <p:sldIdLst>
-    <p:sldId id="256" r:id="rId3"/>
+    <p:sldId id="256" r:id="rId2"/>
   </p:sldIdLst>
   <p:sldSz cx="12192000" cy="6858000"/>
   <p:notesSz cx="12192000" cy="6858000"/>
@@ -104,11 +104,27 @@
       </a:defRPr>
     </a:lvl9pPr>
   </p:defaultTextStyle>
+  <p:extLst>
+    <p:ext uri="{EFAFB233-063F-42B5-8137-9DF3F51BA10A}">
+      <p15:sldGuideLst xmlns:p15="http://schemas.microsoft.com/office/powerpoint/2012/main">
+        <p15:guide id="1" orient="horz" pos="2160">
+          <p15:clr>
+            <a:srgbClr val="A4A3A4"/>
+          </p15:clr>
+        </p15:guide>
+        <p15:guide id="2" pos="2880">
+          <p15:clr>
+            <a:srgbClr val="A4A3A4"/>
+          </p15:clr>
+        </p15:guide>
+      </p15:sldGuideLst>
+    </p:ext>
+  </p:extLst>
 </p:presentation>
 </file>
 
 <file path=ppt/slideLayouts/slideLayout1.xml><?xml version="1.0" encoding="utf-8"?>
-<p:sldLayout xmlns:a="http://schemas.openxmlformats.org/drawingml/2006/main" xmlns:r="http://schemas.openxmlformats.org/officeDocument/2006/relationships" xmlns:p="http://schemas.openxmlformats.org/presentationml/2006/main" xmlns:m="http://schemas.openxmlformats.org/officeDocument/2006/math" xmlns:w="http://schemas.openxmlformats.org/wordprocessingml/2006/main" matchingName="" preserve="1" showMasterPhAnim="0" type="title" userDrawn="1">
+<p:sldLayout xmlns:a="http://schemas.openxmlformats.org/drawingml/2006/main" xmlns:r="http://schemas.openxmlformats.org/officeDocument/2006/relationships" xmlns:p="http://schemas.openxmlformats.org/presentationml/2006/main" showMasterPhAnim="0" type="title" preserve="1" userDrawn="1">
   <p:cSld name="Title Slide">
     <p:spTree>
       <p:nvGrpSpPr>
@@ -155,7 +171,6 @@
               <a:rPr lang="en-US"/>
               <a:t>Click to edit Master title style</a:t>
             </a:r>
-            <a:endParaRPr lang="en-US"/>
           </a:p>
         </p:txBody>
       </p:sp>
@@ -223,7 +238,6 @@
               <a:rPr lang="en-US"/>
               <a:t>Click to edit Master subtitle style</a:t>
             </a:r>
-            <a:endParaRPr lang="en-US"/>
           </a:p>
         </p:txBody>
       </p:sp>
@@ -247,7 +261,7 @@
             </a:pPr>
             <a:fld id="{BCC18F51-09EC-435C-A3BA-64A766E099C0}" type="datetimeFigureOut">
               <a:rPr lang="en-US"/>
-              <a:t/>
+              <a:t>2/28/2023</a:t>
             </a:fld>
             <a:endParaRPr lang="en-US"/>
           </a:p>
@@ -295,7 +309,7 @@
             </a:pPr>
             <a:fld id="{08395586-F03A-48D1-94DF-16B239DF4FB5}" type="slidenum">
               <a:rPr lang="en-US"/>
-              <a:t/>
+              <a:t>‹#›</a:t>
             </a:fld>
             <a:endParaRPr lang="en-US"/>
           </a:p>
@@ -310,7 +324,7 @@
 </file>
 
 <file path=ppt/slideLayouts/slideLayout10.xml><?xml version="1.0" encoding="utf-8"?>
-<p:sldLayout xmlns:a="http://schemas.openxmlformats.org/drawingml/2006/main" xmlns:r="http://schemas.openxmlformats.org/officeDocument/2006/relationships" xmlns:p="http://schemas.openxmlformats.org/presentationml/2006/main" xmlns:m="http://schemas.openxmlformats.org/officeDocument/2006/math" xmlns:w="http://schemas.openxmlformats.org/wordprocessingml/2006/main" matchingName="" preserve="1" showMasterPhAnim="0" type="vertTx" userDrawn="1">
+<p:sldLayout xmlns:a="http://schemas.openxmlformats.org/drawingml/2006/main" xmlns:r="http://schemas.openxmlformats.org/officeDocument/2006/relationships" xmlns:p="http://schemas.openxmlformats.org/presentationml/2006/main" showMasterPhAnim="0" type="vertTx" preserve="1" userDrawn="1">
   <p:cSld name="Title and Vertical Text">
     <p:spTree>
       <p:nvGrpSpPr>
@@ -348,7 +362,6 @@
               <a:rPr lang="en-US"/>
               <a:t>Click to edit Master title style</a:t>
             </a:r>
-            <a:endParaRPr lang="en-US"/>
           </a:p>
         </p:txBody>
       </p:sp>
@@ -414,7 +427,6 @@
               <a:rPr lang="en-US"/>
               <a:t>Fifth level</a:t>
             </a:r>
-            <a:endParaRPr lang="en-US"/>
           </a:p>
         </p:txBody>
       </p:sp>
@@ -438,7 +450,7 @@
             </a:pPr>
             <a:fld id="{BCC18F51-09EC-435C-A3BA-64A766E099C0}" type="datetimeFigureOut">
               <a:rPr lang="en-US"/>
-              <a:t/>
+              <a:t>2/28/2023</a:t>
             </a:fld>
             <a:endParaRPr lang="en-US"/>
           </a:p>
@@ -486,7 +498,7 @@
             </a:pPr>
             <a:fld id="{08395586-F03A-48D1-94DF-16B239DF4FB5}" type="slidenum">
               <a:rPr lang="en-US"/>
-              <a:t/>
+              <a:t>‹#›</a:t>
             </a:fld>
             <a:endParaRPr lang="en-US"/>
           </a:p>
@@ -501,7 +513,7 @@
 </file>
 
 <file path=ppt/slideLayouts/slideLayout11.xml><?xml version="1.0" encoding="utf-8"?>
-<p:sldLayout xmlns:a="http://schemas.openxmlformats.org/drawingml/2006/main" xmlns:r="http://schemas.openxmlformats.org/officeDocument/2006/relationships" xmlns:p="http://schemas.openxmlformats.org/presentationml/2006/main" xmlns:m="http://schemas.openxmlformats.org/officeDocument/2006/math" xmlns:w="http://schemas.openxmlformats.org/wordprocessingml/2006/main" matchingName="" preserve="1" showMasterPhAnim="0" type="vertTitleAndTx" userDrawn="1">
+<p:sldLayout xmlns:a="http://schemas.openxmlformats.org/drawingml/2006/main" xmlns:r="http://schemas.openxmlformats.org/officeDocument/2006/relationships" xmlns:p="http://schemas.openxmlformats.org/presentationml/2006/main" showMasterPhAnim="0" type="vertTitleAndTx" preserve="1" userDrawn="1">
   <p:cSld name="Vertical Title and Text">
     <p:spTree>
       <p:nvGrpSpPr>
@@ -544,7 +556,6 @@
               <a:rPr lang="en-US"/>
               <a:t>Click to edit Master title style</a:t>
             </a:r>
-            <a:endParaRPr lang="en-US"/>
           </a:p>
         </p:txBody>
       </p:sp>
@@ -615,7 +626,6 @@
               <a:rPr lang="en-US"/>
               <a:t>Fifth level</a:t>
             </a:r>
-            <a:endParaRPr lang="en-US"/>
           </a:p>
         </p:txBody>
       </p:sp>
@@ -639,7 +649,7 @@
             </a:pPr>
             <a:fld id="{BCC18F51-09EC-435C-A3BA-64A766E099C0}" type="datetimeFigureOut">
               <a:rPr lang="en-US"/>
-              <a:t/>
+              <a:t>2/28/2023</a:t>
             </a:fld>
             <a:endParaRPr lang="en-US"/>
           </a:p>
@@ -687,7 +697,7 @@
             </a:pPr>
             <a:fld id="{08395586-F03A-48D1-94DF-16B239DF4FB5}" type="slidenum">
               <a:rPr lang="en-US"/>
-              <a:t/>
+              <a:t>‹#›</a:t>
             </a:fld>
             <a:endParaRPr lang="en-US"/>
           </a:p>
@@ -702,7 +712,7 @@
 </file>
 
 <file path=ppt/slideLayouts/slideLayout2.xml><?xml version="1.0" encoding="utf-8"?>
-<p:sldLayout xmlns:a="http://schemas.openxmlformats.org/drawingml/2006/main" xmlns:r="http://schemas.openxmlformats.org/officeDocument/2006/relationships" xmlns:p="http://schemas.openxmlformats.org/presentationml/2006/main" xmlns:m="http://schemas.openxmlformats.org/officeDocument/2006/math" xmlns:w="http://schemas.openxmlformats.org/wordprocessingml/2006/main" matchingName="" preserve="1" showMasterPhAnim="0" type="obj" userDrawn="1">
+<p:sldLayout xmlns:a="http://schemas.openxmlformats.org/drawingml/2006/main" xmlns:r="http://schemas.openxmlformats.org/officeDocument/2006/relationships" xmlns:p="http://schemas.openxmlformats.org/presentationml/2006/main" showMasterPhAnim="0" type="obj" preserve="1" userDrawn="1">
   <p:cSld name="Title and Content">
     <p:spTree>
       <p:nvGrpSpPr>
@@ -740,7 +750,6 @@
               <a:rPr lang="en-US"/>
               <a:t>Click to edit Master title style</a:t>
             </a:r>
-            <a:endParaRPr lang="en-US"/>
           </a:p>
         </p:txBody>
       </p:sp>
@@ -806,7 +815,6 @@
               <a:rPr lang="en-US"/>
               <a:t>Fifth level</a:t>
             </a:r>
-            <a:endParaRPr lang="en-US"/>
           </a:p>
         </p:txBody>
       </p:sp>
@@ -830,7 +838,7 @@
             </a:pPr>
             <a:fld id="{BCC18F51-09EC-435C-A3BA-64A766E099C0}" type="datetimeFigureOut">
               <a:rPr lang="en-US"/>
-              <a:t/>
+              <a:t>2/28/2023</a:t>
             </a:fld>
             <a:endParaRPr lang="en-US"/>
           </a:p>
@@ -878,7 +886,7 @@
             </a:pPr>
             <a:fld id="{08395586-F03A-48D1-94DF-16B239DF4FB5}" type="slidenum">
               <a:rPr lang="en-US"/>
-              <a:t/>
+              <a:t>‹#›</a:t>
             </a:fld>
             <a:endParaRPr lang="en-US"/>
           </a:p>
@@ -893,7 +901,7 @@
 </file>
 
 <file path=ppt/slideLayouts/slideLayout3.xml><?xml version="1.0" encoding="utf-8"?>
-<p:sldLayout xmlns:a="http://schemas.openxmlformats.org/drawingml/2006/main" xmlns:r="http://schemas.openxmlformats.org/officeDocument/2006/relationships" xmlns:p="http://schemas.openxmlformats.org/presentationml/2006/main" xmlns:m="http://schemas.openxmlformats.org/officeDocument/2006/math" xmlns:w="http://schemas.openxmlformats.org/wordprocessingml/2006/main" matchingName="" preserve="1" showMasterPhAnim="0" type="secHead" userDrawn="1">
+<p:sldLayout xmlns:a="http://schemas.openxmlformats.org/drawingml/2006/main" xmlns:r="http://schemas.openxmlformats.org/officeDocument/2006/relationships" xmlns:p="http://schemas.openxmlformats.org/presentationml/2006/main" showMasterPhAnim="0" type="secHead" preserve="1" userDrawn="1">
   <p:cSld name="Section Header">
     <p:spTree>
       <p:nvGrpSpPr>
@@ -940,7 +948,6 @@
               <a:rPr lang="en-US"/>
               <a:t>Click to edit Master title style</a:t>
             </a:r>
-            <a:endParaRPr lang="en-US"/>
           </a:p>
         </p:txBody>
       </p:sp>
@@ -1086,7 +1093,7 @@
             </a:pPr>
             <a:fld id="{BCC18F51-09EC-435C-A3BA-64A766E099C0}" type="datetimeFigureOut">
               <a:rPr lang="en-US"/>
-              <a:t/>
+              <a:t>2/28/2023</a:t>
             </a:fld>
             <a:endParaRPr lang="en-US"/>
           </a:p>
@@ -1134,7 +1141,7 @@
             </a:pPr>
             <a:fld id="{08395586-F03A-48D1-94DF-16B239DF4FB5}" type="slidenum">
               <a:rPr lang="en-US"/>
-              <a:t/>
+              <a:t>‹#›</a:t>
             </a:fld>
             <a:endParaRPr lang="en-US"/>
           </a:p>
@@ -1149,7 +1156,7 @@
 </file>
 
 <file path=ppt/slideLayouts/slideLayout4.xml><?xml version="1.0" encoding="utf-8"?>
-<p:sldLayout xmlns:a="http://schemas.openxmlformats.org/drawingml/2006/main" xmlns:r="http://schemas.openxmlformats.org/officeDocument/2006/relationships" xmlns:p="http://schemas.openxmlformats.org/presentationml/2006/main" xmlns:m="http://schemas.openxmlformats.org/officeDocument/2006/math" xmlns:w="http://schemas.openxmlformats.org/wordprocessingml/2006/main" matchingName="" preserve="1" showMasterPhAnim="0" type="twoObj" userDrawn="1">
+<p:sldLayout xmlns:a="http://schemas.openxmlformats.org/drawingml/2006/main" xmlns:r="http://schemas.openxmlformats.org/officeDocument/2006/relationships" xmlns:p="http://schemas.openxmlformats.org/presentationml/2006/main" showMasterPhAnim="0" type="twoObj" preserve="1" userDrawn="1">
   <p:cSld name="Two Content">
     <p:spTree>
       <p:nvGrpSpPr>
@@ -1187,7 +1194,6 @@
               <a:rPr lang="en-US"/>
               <a:t>Click to edit Master title style</a:t>
             </a:r>
-            <a:endParaRPr lang="en-US"/>
           </a:p>
         </p:txBody>
       </p:sp>
@@ -1258,7 +1264,6 @@
               <a:rPr lang="en-US"/>
               <a:t>Fifth level</a:t>
             </a:r>
-            <a:endParaRPr lang="en-US"/>
           </a:p>
         </p:txBody>
       </p:sp>
@@ -1329,7 +1334,6 @@
               <a:rPr lang="en-US"/>
               <a:t>Fifth level</a:t>
             </a:r>
-            <a:endParaRPr lang="en-US"/>
           </a:p>
         </p:txBody>
       </p:sp>
@@ -1353,7 +1357,7 @@
             </a:pPr>
             <a:fld id="{BCC18F51-09EC-435C-A3BA-64A766E099C0}" type="datetimeFigureOut">
               <a:rPr lang="en-US"/>
-              <a:t/>
+              <a:t>2/28/2023</a:t>
             </a:fld>
             <a:endParaRPr lang="en-US"/>
           </a:p>
@@ -1401,7 +1405,7 @@
             </a:pPr>
             <a:fld id="{08395586-F03A-48D1-94DF-16B239DF4FB5}" type="slidenum">
               <a:rPr lang="en-US"/>
-              <a:t/>
+              <a:t>‹#›</a:t>
             </a:fld>
             <a:endParaRPr lang="en-US"/>
           </a:p>
@@ -1416,7 +1420,7 @@
 </file>
 
 <file path=ppt/slideLayouts/slideLayout5.xml><?xml version="1.0" encoding="utf-8"?>
-<p:sldLayout xmlns:a="http://schemas.openxmlformats.org/drawingml/2006/main" xmlns:r="http://schemas.openxmlformats.org/officeDocument/2006/relationships" xmlns:p="http://schemas.openxmlformats.org/presentationml/2006/main" xmlns:m="http://schemas.openxmlformats.org/officeDocument/2006/math" xmlns:w="http://schemas.openxmlformats.org/wordprocessingml/2006/main" matchingName="" preserve="1" showMasterPhAnim="0" type="twoTxTwoObj" userDrawn="1">
+<p:sldLayout xmlns:a="http://schemas.openxmlformats.org/drawingml/2006/main" xmlns:r="http://schemas.openxmlformats.org/officeDocument/2006/relationships" xmlns:p="http://schemas.openxmlformats.org/presentationml/2006/main" showMasterPhAnim="0" type="twoTxTwoObj" preserve="1" userDrawn="1">
   <p:cSld name="Comparison">
     <p:spTree>
       <p:nvGrpSpPr>
@@ -1459,7 +1463,6 @@
               <a:rPr lang="en-US"/>
               <a:t>Click to edit Master title style</a:t>
             </a:r>
-            <a:endParaRPr lang="en-US"/>
           </a:p>
         </p:txBody>
       </p:sp>
@@ -1598,7 +1601,6 @@
               <a:rPr lang="en-US"/>
               <a:t>Fifth level</a:t>
             </a:r>
-            <a:endParaRPr lang="en-US"/>
           </a:p>
         </p:txBody>
       </p:sp>
@@ -1737,7 +1739,6 @@
               <a:rPr lang="en-US"/>
               <a:t>Fifth level</a:t>
             </a:r>
-            <a:endParaRPr lang="en-US"/>
           </a:p>
         </p:txBody>
       </p:sp>
@@ -1761,7 +1762,7 @@
             </a:pPr>
             <a:fld id="{BCC18F51-09EC-435C-A3BA-64A766E099C0}" type="datetimeFigureOut">
               <a:rPr lang="en-US"/>
-              <a:t/>
+              <a:t>2/28/2023</a:t>
             </a:fld>
             <a:endParaRPr lang="en-US"/>
           </a:p>
@@ -1809,7 +1810,7 @@
             </a:pPr>
             <a:fld id="{08395586-F03A-48D1-94DF-16B239DF4FB5}" type="slidenum">
               <a:rPr lang="en-US"/>
-              <a:t/>
+              <a:t>‹#›</a:t>
             </a:fld>
             <a:endParaRPr lang="en-US"/>
           </a:p>
@@ -1824,7 +1825,7 @@
 </file>
 
 <file path=ppt/slideLayouts/slideLayout6.xml><?xml version="1.0" encoding="utf-8"?>
-<p:sldLayout xmlns:a="http://schemas.openxmlformats.org/drawingml/2006/main" xmlns:r="http://schemas.openxmlformats.org/officeDocument/2006/relationships" xmlns:p="http://schemas.openxmlformats.org/presentationml/2006/main" xmlns:m="http://schemas.openxmlformats.org/officeDocument/2006/math" xmlns:w="http://schemas.openxmlformats.org/wordprocessingml/2006/main" matchingName="" preserve="1" showMasterPhAnim="0" type="titleOnly" userDrawn="1">
+<p:sldLayout xmlns:a="http://schemas.openxmlformats.org/drawingml/2006/main" xmlns:r="http://schemas.openxmlformats.org/officeDocument/2006/relationships" xmlns:p="http://schemas.openxmlformats.org/presentationml/2006/main" showMasterPhAnim="0" type="titleOnly" preserve="1" userDrawn="1">
   <p:cSld name="Title Only">
     <p:spTree>
       <p:nvGrpSpPr>
@@ -1862,7 +1863,6 @@
               <a:rPr lang="en-US"/>
               <a:t>Click to edit Master title style</a:t>
             </a:r>
-            <a:endParaRPr lang="en-US"/>
           </a:p>
         </p:txBody>
       </p:sp>
@@ -1886,7 +1886,7 @@
             </a:pPr>
             <a:fld id="{BCC18F51-09EC-435C-A3BA-64A766E099C0}" type="datetimeFigureOut">
               <a:rPr lang="en-US"/>
-              <a:t/>
+              <a:t>2/28/2023</a:t>
             </a:fld>
             <a:endParaRPr lang="en-US"/>
           </a:p>
@@ -1934,7 +1934,7 @@
             </a:pPr>
             <a:fld id="{08395586-F03A-48D1-94DF-16B239DF4FB5}" type="slidenum">
               <a:rPr lang="en-US"/>
-              <a:t/>
+              <a:t>‹#›</a:t>
             </a:fld>
             <a:endParaRPr lang="en-US"/>
           </a:p>
@@ -1949,7 +1949,7 @@
 </file>
 
 <file path=ppt/slideLayouts/slideLayout7.xml><?xml version="1.0" encoding="utf-8"?>
-<p:sldLayout xmlns:a="http://schemas.openxmlformats.org/drawingml/2006/main" xmlns:r="http://schemas.openxmlformats.org/officeDocument/2006/relationships" xmlns:p="http://schemas.openxmlformats.org/presentationml/2006/main" xmlns:m="http://schemas.openxmlformats.org/officeDocument/2006/math" xmlns:w="http://schemas.openxmlformats.org/wordprocessingml/2006/main" matchingName="" preserve="1" showMasterPhAnim="0" type="blank" userDrawn="1">
+<p:sldLayout xmlns:a="http://schemas.openxmlformats.org/drawingml/2006/main" xmlns:r="http://schemas.openxmlformats.org/officeDocument/2006/relationships" xmlns:p="http://schemas.openxmlformats.org/presentationml/2006/main" showMasterPhAnim="0" type="blank" preserve="1" userDrawn="1">
   <p:cSld name="Blank">
     <p:spTree>
       <p:nvGrpSpPr>
@@ -1985,7 +1985,7 @@
             </a:pPr>
             <a:fld id="{BCC18F51-09EC-435C-A3BA-64A766E099C0}" type="datetimeFigureOut">
               <a:rPr lang="en-US"/>
-              <a:t/>
+              <a:t>2/28/2023</a:t>
             </a:fld>
             <a:endParaRPr lang="en-US"/>
           </a:p>
@@ -2033,7 +2033,7 @@
             </a:pPr>
             <a:fld id="{08395586-F03A-48D1-94DF-16B239DF4FB5}" type="slidenum">
               <a:rPr lang="en-US"/>
-              <a:t/>
+              <a:t>‹#›</a:t>
             </a:fld>
             <a:endParaRPr lang="en-US"/>
           </a:p>
@@ -2048,7 +2048,7 @@
 </file>
 
 <file path=ppt/slideLayouts/slideLayout8.xml><?xml version="1.0" encoding="utf-8"?>
-<p:sldLayout xmlns:a="http://schemas.openxmlformats.org/drawingml/2006/main" xmlns:r="http://schemas.openxmlformats.org/officeDocument/2006/relationships" xmlns:p="http://schemas.openxmlformats.org/presentationml/2006/main" xmlns:m="http://schemas.openxmlformats.org/officeDocument/2006/math" xmlns:w="http://schemas.openxmlformats.org/wordprocessingml/2006/main" matchingName="" preserve="1" showMasterPhAnim="0" type="objTx" userDrawn="1">
+<p:sldLayout xmlns:a="http://schemas.openxmlformats.org/drawingml/2006/main" xmlns:r="http://schemas.openxmlformats.org/officeDocument/2006/relationships" xmlns:p="http://schemas.openxmlformats.org/presentationml/2006/main" showMasterPhAnim="0" type="objTx" preserve="1" userDrawn="1">
   <p:cSld name="Content with Caption">
     <p:spTree>
       <p:nvGrpSpPr>
@@ -2095,7 +2095,6 @@
               <a:rPr lang="en-US"/>
               <a:t>Click to edit Master title style</a:t>
             </a:r>
-            <a:endParaRPr lang="en-US"/>
           </a:p>
         </p:txBody>
       </p:sp>
@@ -2194,7 +2193,6 @@
               <a:rPr lang="en-US"/>
               <a:t>Fifth level</a:t>
             </a:r>
-            <a:endParaRPr lang="en-US"/>
           </a:p>
         </p:txBody>
       </p:sp>
@@ -2286,7 +2284,7 @@
             </a:pPr>
             <a:fld id="{BCC18F51-09EC-435C-A3BA-64A766E099C0}" type="datetimeFigureOut">
               <a:rPr lang="en-US"/>
-              <a:t/>
+              <a:t>2/28/2023</a:t>
             </a:fld>
             <a:endParaRPr lang="en-US"/>
           </a:p>
@@ -2334,7 +2332,7 @@
             </a:pPr>
             <a:fld id="{08395586-F03A-48D1-94DF-16B239DF4FB5}" type="slidenum">
               <a:rPr lang="en-US"/>
-              <a:t/>
+              <a:t>‹#›</a:t>
             </a:fld>
             <a:endParaRPr lang="en-US"/>
           </a:p>
@@ -2349,7 +2347,7 @@
 </file>
 
 <file path=ppt/slideLayouts/slideLayout9.xml><?xml version="1.0" encoding="utf-8"?>
-<p:sldLayout xmlns:a="http://schemas.openxmlformats.org/drawingml/2006/main" xmlns:r="http://schemas.openxmlformats.org/officeDocument/2006/relationships" xmlns:p="http://schemas.openxmlformats.org/presentationml/2006/main" xmlns:m="http://schemas.openxmlformats.org/officeDocument/2006/math" xmlns:w="http://schemas.openxmlformats.org/wordprocessingml/2006/main" matchingName="" preserve="1" showMasterPhAnim="0" type="picTx" userDrawn="1">
+<p:sldLayout xmlns:a="http://schemas.openxmlformats.org/drawingml/2006/main" xmlns:r="http://schemas.openxmlformats.org/officeDocument/2006/relationships" xmlns:p="http://schemas.openxmlformats.org/presentationml/2006/main" showMasterPhAnim="0" type="picTx" preserve="1" userDrawn="1">
   <p:cSld name="Picture with Caption">
     <p:spTree>
       <p:nvGrpSpPr>
@@ -2396,7 +2394,6 @@
               <a:rPr lang="en-US"/>
               <a:t>Click to edit Master title style</a:t>
             </a:r>
-            <a:endParaRPr lang="en-US"/>
           </a:p>
         </p:txBody>
       </p:sp>
@@ -2404,7 +2401,7 @@
         <p:nvSpPr>
           <p:cNvPr id="3" name="Picture Placeholder 2"/>
           <p:cNvSpPr>
-            <a:spLocks noChangeAspect="1" noGrp="1"/>
+            <a:spLocks noGrp="1" noChangeAspect="1"/>
           </p:cNvSpPr>
           <p:nvPr>
             <p:ph type="pic" idx="1"/>
@@ -2464,7 +2461,6 @@
               <a:rPr lang="en-US"/>
               <a:t>Click icon to add picture</a:t>
             </a:r>
-            <a:endParaRPr lang="en-US"/>
           </a:p>
         </p:txBody>
       </p:sp>
@@ -2556,7 +2552,7 @@
             </a:pPr>
             <a:fld id="{BCC18F51-09EC-435C-A3BA-64A766E099C0}" type="datetimeFigureOut">
               <a:rPr lang="en-US"/>
-              <a:t/>
+              <a:t>2/28/2023</a:t>
             </a:fld>
             <a:endParaRPr lang="en-US"/>
           </a:p>
@@ -2604,7 +2600,7 @@
             </a:pPr>
             <a:fld id="{08395586-F03A-48D1-94DF-16B239DF4FB5}" type="slidenum">
               <a:rPr lang="en-US"/>
-              <a:t/>
+              <a:t>‹#›</a:t>
             </a:fld>
             <a:endParaRPr lang="en-US"/>
           </a:p>
@@ -2619,8 +2615,8 @@
 </file>
 
 <file path=ppt/slideMasters/slideMaster1.xml><?xml version="1.0" encoding="utf-8"?>
-<p:sldMaster xmlns:a="http://schemas.openxmlformats.org/drawingml/2006/main" xmlns:r="http://schemas.openxmlformats.org/officeDocument/2006/relationships" xmlns:p="http://schemas.openxmlformats.org/presentationml/2006/main" xmlns:m="http://schemas.openxmlformats.org/officeDocument/2006/math" xmlns:w="http://schemas.openxmlformats.org/wordprocessingml/2006/main" preserve="0">
-  <p:cSld name="">
+<p:sldMaster xmlns:a="http://schemas.openxmlformats.org/drawingml/2006/main" xmlns:r="http://schemas.openxmlformats.org/officeDocument/2006/relationships" xmlns:p="http://schemas.openxmlformats.org/presentationml/2006/main">
+  <p:cSld>
     <p:bg>
       <p:bgRef idx="1001">
         <a:schemeClr val="bg1"/>
@@ -2672,7 +2668,6 @@
               <a:rPr lang="en-US"/>
               <a:t>Click to edit Master title style</a:t>
             </a:r>
-            <a:endParaRPr lang="en-US"/>
           </a:p>
         </p:txBody>
       </p:sp>
@@ -2748,7 +2743,6 @@
               <a:rPr lang="en-US"/>
               <a:t>Fifth level</a:t>
             </a:r>
-            <a:endParaRPr lang="en-US"/>
           </a:p>
         </p:txBody>
       </p:sp>
@@ -2790,7 +2784,7 @@
             </a:pPr>
             <a:fld id="{BCC18F51-09EC-435C-A3BA-64A766E099C0}" type="datetimeFigureOut">
               <a:rPr lang="en-US"/>
-              <a:t/>
+              <a:t>2/28/2023</a:t>
             </a:fld>
             <a:endParaRPr lang="en-US"/>
           </a:p>
@@ -2874,7 +2868,7 @@
             </a:pPr>
             <a:fld id="{08395586-F03A-48D1-94DF-16B239DF4FB5}" type="slidenum">
               <a:rPr lang="en-US"/>
-              <a:t/>
+              <a:t>‹#›</a:t>
             </a:fld>
             <a:endParaRPr lang="en-US"/>
           </a:p>
@@ -3180,8 +3174,8 @@
 </file>
 
 <file path=ppt/slides/slide1.xml><?xml version="1.0" encoding="utf-8"?>
-<p:sld xmlns:a="http://schemas.openxmlformats.org/drawingml/2006/main" xmlns:r="http://schemas.openxmlformats.org/officeDocument/2006/relationships" xmlns:p="http://schemas.openxmlformats.org/presentationml/2006/main" xmlns:m="http://schemas.openxmlformats.org/officeDocument/2006/math" xmlns:w="http://schemas.openxmlformats.org/wordprocessingml/2006/main" showMasterPhAnim="0" show="1">
-  <p:cSld name="">
+<p:sld xmlns:a="http://schemas.openxmlformats.org/drawingml/2006/main" xmlns:r="http://schemas.openxmlformats.org/officeDocument/2006/relationships" xmlns:p="http://schemas.openxmlformats.org/presentationml/2006/main" showMasterPhAnim="0">
+  <p:cSld>
     <p:spTree>
       <p:nvGrpSpPr>
         <p:cNvPr id="1" name=""/>
@@ -3198,12 +3192,12 @@
       </p:grpSpPr>
       <p:sp>
         <p:nvSpPr>
-          <p:cNvPr id="459380159" name=""/>
+          <p:cNvPr id="459380159" name="Szövegdoboz 459380158"/>
           <p:cNvSpPr txBox="1"/>
           <p:nvPr/>
         </p:nvSpPr>
         <p:spPr bwMode="auto">
-          <a:xfrm flipH="0" flipV="0">
+          <a:xfrm>
             <a:off x="967645" y="3330099"/>
             <a:ext cx="1868585" cy="365795"/>
           </a:xfrm>
@@ -3213,9 +3207,10 @@
           <a:noFill/>
         </p:spPr>
         <p:txBody>
-          <a:bodyPr vertOverflow="overflow" horzOverflow="overflow" vert="horz" wrap="square" lIns="91440" tIns="45720" rIns="91440" bIns="45720" numCol="1" spcCol="0" rtlCol="0" fromWordArt="0" anchor="t" anchorCtr="0" forceAA="0" upright="0" compatLnSpc="0">
+          <a:bodyPr vertOverflow="overflow" horzOverflow="overflow" vert="horz" wrap="square" lIns="91440" tIns="45720" rIns="91440" bIns="45720" numCol="1" spcCol="0" rtlCol="0" fromWordArt="0" anchor="t" anchorCtr="0" forceAA="0" compatLnSpc="0">
             <a:spAutoFit/>
           </a:bodyPr>
+          <a:lstStyle/>
           <a:p>
             <a:pPr algn="ctr">
               <a:defRPr/>
@@ -3224,18 +3219,17 @@
               <a:rPr/>
               <a:t>Spring Boot</a:t>
             </a:r>
-            <a:endParaRPr/>
-          </a:p>
-        </p:txBody>
-      </p:sp>
-      <p:sp>
-        <p:nvSpPr>
-          <p:cNvPr id="1412403431" name=""/>
+          </a:p>
+        </p:txBody>
+      </p:sp>
+      <p:sp>
+        <p:nvSpPr>
+          <p:cNvPr id="1412403431" name="Szövegdoboz 1412403430"/>
           <p:cNvSpPr txBox="1"/>
           <p:nvPr/>
         </p:nvSpPr>
         <p:spPr bwMode="auto">
-          <a:xfrm flipH="0" flipV="0">
+          <a:xfrm>
             <a:off x="967645" y="4178822"/>
             <a:ext cx="1868549" cy="365795"/>
           </a:xfrm>
@@ -3245,9 +3239,10 @@
           <a:noFill/>
         </p:spPr>
         <p:txBody>
-          <a:bodyPr vertOverflow="overflow" horzOverflow="overflow" vert="horz" wrap="square" lIns="91440" tIns="45720" rIns="91440" bIns="45720" numCol="1" spcCol="0" rtlCol="0" fromWordArt="0" anchor="t" anchorCtr="0" forceAA="0" upright="0" compatLnSpc="0">
+          <a:bodyPr vertOverflow="overflow" horzOverflow="overflow" vert="horz" wrap="square" lIns="91440" tIns="45720" rIns="91440" bIns="45720" numCol="1" spcCol="0" rtlCol="0" fromWordArt="0" anchor="t" anchorCtr="0" forceAA="0" compatLnSpc="0">
             <a:spAutoFit/>
           </a:bodyPr>
+          <a:lstStyle/>
           <a:p>
             <a:pPr algn="ctr">
               <a:defRPr/>
@@ -3256,18 +3251,17 @@
               <a:rPr/>
               <a:t>DB</a:t>
             </a:r>
-            <a:endParaRPr/>
-          </a:p>
-        </p:txBody>
-      </p:sp>
-      <p:sp>
-        <p:nvSpPr>
-          <p:cNvPr id="1446936183" name=""/>
+          </a:p>
+        </p:txBody>
+      </p:sp>
+      <p:sp>
+        <p:nvSpPr>
+          <p:cNvPr id="1446936183" name="Szövegdoboz 1446936182"/>
           <p:cNvSpPr txBox="1"/>
           <p:nvPr/>
         </p:nvSpPr>
         <p:spPr bwMode="auto">
-          <a:xfrm flipH="0" flipV="0">
+          <a:xfrm>
             <a:off x="7668783" y="2964303"/>
             <a:ext cx="1868837" cy="365795"/>
           </a:xfrm>
@@ -3277,9 +3271,10 @@
           <a:noFill/>
         </p:spPr>
         <p:txBody>
-          <a:bodyPr vertOverflow="overflow" horzOverflow="overflow" vert="horz" wrap="square" lIns="91440" tIns="45720" rIns="91440" bIns="45720" numCol="1" spcCol="0" rtlCol="0" fromWordArt="0" anchor="t" anchorCtr="0" forceAA="0" upright="0" compatLnSpc="0">
+          <a:bodyPr vertOverflow="overflow" horzOverflow="overflow" vert="horz" wrap="square" lIns="91440" tIns="45720" rIns="91440" bIns="45720" numCol="1" spcCol="0" rtlCol="0" fromWordArt="0" anchor="t" anchorCtr="0" forceAA="0" compatLnSpc="0">
             <a:spAutoFit/>
           </a:bodyPr>
+          <a:lstStyle/>
           <a:p>
             <a:pPr algn="ctr">
               <a:defRPr/>
@@ -3288,18 +3283,17 @@
               <a:rPr/>
               <a:t>client 1</a:t>
             </a:r>
-            <a:endParaRPr/>
-          </a:p>
-        </p:txBody>
-      </p:sp>
-      <p:sp>
-        <p:nvSpPr>
-          <p:cNvPr id="1310193744" name=""/>
+          </a:p>
+        </p:txBody>
+      </p:sp>
+      <p:sp>
+        <p:nvSpPr>
+          <p:cNvPr id="1310193744" name="Szövegdoboz 1310193743"/>
           <p:cNvSpPr txBox="1"/>
           <p:nvPr/>
         </p:nvSpPr>
         <p:spPr bwMode="auto">
-          <a:xfrm flipH="0" flipV="0">
+          <a:xfrm>
             <a:off x="5106672" y="2964303"/>
             <a:ext cx="1869197" cy="365795"/>
           </a:xfrm>
@@ -3309,9 +3303,10 @@
           <a:noFill/>
         </p:spPr>
         <p:txBody>
-          <a:bodyPr vertOverflow="overflow" horzOverflow="overflow" vert="horz" wrap="square" lIns="91440" tIns="45720" rIns="91440" bIns="45720" numCol="1" spcCol="0" rtlCol="0" fromWordArt="0" anchor="t" anchorCtr="0" forceAA="0" upright="0" compatLnSpc="0">
+          <a:bodyPr vertOverflow="overflow" horzOverflow="overflow" vert="horz" wrap="square" lIns="91440" tIns="45720" rIns="91440" bIns="45720" numCol="1" spcCol="0" rtlCol="0" fromWordArt="0" anchor="t" anchorCtr="0" forceAA="0" compatLnSpc="0">
             <a:spAutoFit/>
           </a:bodyPr>
+          <a:lstStyle/>
           <a:p>
             <a:pPr algn="ctr">
               <a:defRPr/>
@@ -3320,18 +3315,17 @@
               <a:rPr/>
               <a:t>JavaScript</a:t>
             </a:r>
-            <a:endParaRPr/>
-          </a:p>
-        </p:txBody>
-      </p:sp>
-      <p:sp>
-        <p:nvSpPr>
-          <p:cNvPr id="694210246" name=""/>
+          </a:p>
+        </p:txBody>
+      </p:sp>
+      <p:sp>
+        <p:nvSpPr>
+          <p:cNvPr id="694210246" name="Szövegdoboz 694210245"/>
           <p:cNvSpPr txBox="1"/>
           <p:nvPr/>
         </p:nvSpPr>
         <p:spPr bwMode="auto">
-          <a:xfrm flipH="0" flipV="0">
+          <a:xfrm>
             <a:off x="5106672" y="3912696"/>
             <a:ext cx="1869197" cy="365795"/>
           </a:xfrm>
@@ -3341,9 +3335,10 @@
           <a:noFill/>
         </p:spPr>
         <p:txBody>
-          <a:bodyPr vertOverflow="overflow" horzOverflow="overflow" vert="horz" wrap="square" lIns="91440" tIns="45720" rIns="91440" bIns="45720" numCol="1" spcCol="0" rtlCol="0" fromWordArt="0" anchor="t" anchorCtr="0" forceAA="0" upright="0" compatLnSpc="0">
+          <a:bodyPr vertOverflow="overflow" horzOverflow="overflow" vert="horz" wrap="square" lIns="91440" tIns="45720" rIns="91440" bIns="45720" numCol="1" spcCol="0" rtlCol="0" fromWordArt="0" anchor="t" anchorCtr="0" forceAA="0" compatLnSpc="0">
             <a:spAutoFit/>
           </a:bodyPr>
+          <a:lstStyle/>
           <a:p>
             <a:pPr algn="ctr">
               <a:defRPr/>
@@ -3352,18 +3347,17 @@
               <a:rPr/>
               <a:t>JavaScript</a:t>
             </a:r>
-            <a:endParaRPr/>
-          </a:p>
-        </p:txBody>
-      </p:sp>
-      <p:sp>
-        <p:nvSpPr>
-          <p:cNvPr id="784423065" name=""/>
+          </a:p>
+        </p:txBody>
+      </p:sp>
+      <p:sp>
+        <p:nvSpPr>
+          <p:cNvPr id="784423065" name="Szövegdoboz 784423064"/>
           <p:cNvSpPr txBox="1"/>
           <p:nvPr/>
         </p:nvSpPr>
         <p:spPr bwMode="auto">
-          <a:xfrm flipH="0" flipV="0">
+          <a:xfrm>
             <a:off x="7668783" y="3912696"/>
             <a:ext cx="1868981" cy="365795"/>
           </a:xfrm>
@@ -3373,9 +3367,10 @@
           <a:noFill/>
         </p:spPr>
         <p:txBody>
-          <a:bodyPr vertOverflow="overflow" horzOverflow="overflow" vert="horz" wrap="square" lIns="91440" tIns="45720" rIns="91440" bIns="45720" numCol="1" spcCol="0" rtlCol="0" fromWordArt="0" anchor="t" anchorCtr="0" forceAA="0" upright="0" compatLnSpc="0">
+          <a:bodyPr vertOverflow="overflow" horzOverflow="overflow" vert="horz" wrap="square" lIns="91440" tIns="45720" rIns="91440" bIns="45720" numCol="1" spcCol="0" rtlCol="0" fromWordArt="0" anchor="t" anchorCtr="0" forceAA="0" compatLnSpc="0">
             <a:spAutoFit/>
           </a:bodyPr>
+          <a:lstStyle/>
           <a:p>
             <a:pPr algn="ctr">
               <a:defRPr/>
@@ -3384,13 +3379,12 @@
               <a:rPr/>
               <a:t>client 2</a:t>
             </a:r>
-            <a:endParaRPr/>
           </a:p>
         </p:txBody>
       </p:sp>
       <p:cxnSp>
         <p:nvCxnSpPr>
-          <p:cNvPr id="0" name=""/>
+          <p:cNvPr id="2" name="Szögletes összekötő 1"/>
           <p:cNvCxnSpPr>
             <a:cxnSpLocks/>
             <a:stCxn id="1310193744" idx="1"/>
@@ -3398,7 +3392,7 @@
           <p:nvPr/>
         </p:nvCxnSpPr>
         <p:spPr bwMode="auto">
-          <a:xfrm rot="10799990" flipH="0" flipV="1">
+          <a:xfrm rot="10799990" flipV="1">
             <a:off x="2719732" y="3147201"/>
             <a:ext cx="2386939" cy="376123"/>
           </a:xfrm>
@@ -3435,7 +3429,7 @@
       </p:cxnSp>
       <p:cxnSp>
         <p:nvCxnSpPr>
-          <p:cNvPr id="0" name=""/>
+          <p:cNvPr id="3" name="Szögletes összekötő 2"/>
           <p:cNvCxnSpPr>
             <a:cxnSpLocks/>
             <a:endCxn id="694210246" idx="1"/>
@@ -3443,7 +3437,7 @@
           <p:nvPr/>
         </p:nvCxnSpPr>
         <p:spPr bwMode="auto">
-          <a:xfrm rot="0" flipH="0" flipV="0">
+          <a:xfrm>
             <a:off x="2738228" y="3606553"/>
             <a:ext cx="2368444" cy="489041"/>
           </a:xfrm>
@@ -3480,14 +3474,14 @@
       </p:cxnSp>
       <p:cxnSp>
         <p:nvCxnSpPr>
-          <p:cNvPr id="0" name=""/>
+          <p:cNvPr id="4" name="Egyenes összekötő 3"/>
           <p:cNvCxnSpPr>
             <a:cxnSpLocks/>
           </p:cNvCxnSpPr>
           <p:nvPr/>
         </p:nvCxnSpPr>
         <p:spPr bwMode="auto">
-          <a:xfrm flipH="1" flipV="0">
+          <a:xfrm flipH="1">
             <a:off x="2002429" y="3718497"/>
             <a:ext cx="0" cy="388397"/>
           </a:xfrm>
@@ -3522,14 +3516,14 @@
       </p:cxnSp>
       <p:cxnSp>
         <p:nvCxnSpPr>
-          <p:cNvPr id="0" name=""/>
+          <p:cNvPr id="5" name="Egyenes összekötő 4"/>
           <p:cNvCxnSpPr>
             <a:cxnSpLocks/>
           </p:cNvCxnSpPr>
           <p:nvPr/>
         </p:nvCxnSpPr>
         <p:spPr bwMode="auto">
-          <a:xfrm flipH="0" flipV="1">
+          <a:xfrm flipV="1">
             <a:off x="1821661" y="3718497"/>
             <a:ext cx="0" cy="396565"/>
           </a:xfrm>
@@ -3564,14 +3558,14 @@
       </p:cxnSp>
       <p:cxnSp>
         <p:nvCxnSpPr>
-          <p:cNvPr id="0" name=""/>
+          <p:cNvPr id="6" name="Egyenes összekötő 5"/>
           <p:cNvCxnSpPr>
             <a:cxnSpLocks/>
           </p:cNvCxnSpPr>
           <p:nvPr/>
         </p:nvCxnSpPr>
         <p:spPr bwMode="auto">
-          <a:xfrm rot="0" flipH="0" flipV="0">
+          <a:xfrm>
             <a:off x="6975870" y="4115063"/>
             <a:ext cx="692912" cy="0"/>
           </a:xfrm>
@@ -3606,14 +3600,14 @@
       </p:cxnSp>
       <p:cxnSp>
         <p:nvCxnSpPr>
-          <p:cNvPr id="0" name=""/>
+          <p:cNvPr id="7" name="Egyenes összekötő 6"/>
           <p:cNvCxnSpPr>
             <a:cxnSpLocks/>
           </p:cNvCxnSpPr>
           <p:nvPr/>
         </p:nvCxnSpPr>
         <p:spPr bwMode="auto">
-          <a:xfrm rot="10799990" flipH="0" flipV="0">
+          <a:xfrm rot="10799990">
             <a:off x="6975870" y="3147201"/>
             <a:ext cx="692912" cy="0"/>
           </a:xfrm>
@@ -3648,12 +3642,12 @@
       </p:cxnSp>
       <p:sp>
         <p:nvSpPr>
-          <p:cNvPr id="138265625" name=""/>
+          <p:cNvPr id="138265625" name="Szövegdoboz 138265624"/>
           <p:cNvSpPr txBox="1"/>
           <p:nvPr/>
         </p:nvSpPr>
         <p:spPr bwMode="auto">
-          <a:xfrm flipH="0" flipV="0">
+          <a:xfrm>
             <a:off x="9079079" y="2964303"/>
             <a:ext cx="1729441" cy="365795"/>
           </a:xfrm>
@@ -3663,9 +3657,10 @@
           <a:noFill/>
         </p:spPr>
         <p:txBody>
-          <a:bodyPr vertOverflow="overflow" horzOverflow="overflow" vert="horz" wrap="square" lIns="91440" tIns="45720" rIns="91440" bIns="45720" numCol="1" spcCol="0" rtlCol="0" fromWordArt="0" anchor="t" anchorCtr="0" forceAA="0" upright="0" compatLnSpc="0">
+          <a:bodyPr vertOverflow="overflow" horzOverflow="overflow" vert="horz" wrap="square" lIns="91440" tIns="45720" rIns="91440" bIns="45720" numCol="1" spcCol="0" rtlCol="0" fromWordArt="0" anchor="t" anchorCtr="0" forceAA="0" compatLnSpc="0">
             <a:spAutoFit/>
           </a:bodyPr>
+          <a:lstStyle/>
           <a:p>
             <a:pPr>
               <a:defRPr/>
@@ -3674,18 +3669,17 @@
               <a:rPr/>
               <a:t>(feladó)</a:t>
             </a:r>
-            <a:endParaRPr/>
-          </a:p>
-        </p:txBody>
-      </p:sp>
-      <p:sp>
-        <p:nvSpPr>
-          <p:cNvPr id="1120129258" name=""/>
+          </a:p>
+        </p:txBody>
+      </p:sp>
+      <p:sp>
+        <p:nvSpPr>
+          <p:cNvPr id="1120129258" name="Szövegdoboz 1120129257"/>
           <p:cNvSpPr txBox="1"/>
           <p:nvPr/>
         </p:nvSpPr>
         <p:spPr bwMode="auto">
-          <a:xfrm flipH="0" flipV="0">
+          <a:xfrm>
             <a:off x="9079079" y="3932165"/>
             <a:ext cx="1729657" cy="365795"/>
           </a:xfrm>
@@ -3695,9 +3689,10 @@
           <a:noFill/>
         </p:spPr>
         <p:txBody>
-          <a:bodyPr vertOverflow="overflow" horzOverflow="overflow" vert="horz" wrap="square" lIns="91440" tIns="45720" rIns="91440" bIns="45720" numCol="1" spcCol="0" rtlCol="0" fromWordArt="0" anchor="t" anchorCtr="0" forceAA="0" upright="0" compatLnSpc="0">
+          <a:bodyPr vertOverflow="overflow" horzOverflow="overflow" vert="horz" wrap="square" lIns="91440" tIns="45720" rIns="91440" bIns="45720" numCol="1" spcCol="0" rtlCol="0" fromWordArt="0" anchor="t" anchorCtr="0" forceAA="0" compatLnSpc="0">
             <a:spAutoFit/>
           </a:bodyPr>
+          <a:lstStyle/>
           <a:p>
             <a:pPr>
               <a:defRPr/>
@@ -3706,13 +3701,12 @@
               <a:rPr/>
               <a:t>(fogadó)</a:t>
             </a:r>
-            <a:endParaRPr/>
           </a:p>
         </p:txBody>
       </p:sp>
       <p:cxnSp>
         <p:nvCxnSpPr>
-          <p:cNvPr id="0" name=""/>
+          <p:cNvPr id="8" name="Egyenes összekötő 7"/>
           <p:cNvCxnSpPr>
             <a:cxnSpLocks/>
             <a:stCxn id="694210246" idx="2"/>
@@ -3720,7 +3714,7 @@
           <p:nvPr/>
         </p:nvCxnSpPr>
         <p:spPr bwMode="auto">
-          <a:xfrm rot="5399978" flipH="0" flipV="0">
+          <a:xfrm rot="5399978">
             <a:off x="5819815" y="4498515"/>
             <a:ext cx="440045" cy="0"/>
           </a:xfrm>
@@ -3750,12 +3744,12 @@
       </p:cxnSp>
       <p:sp>
         <p:nvSpPr>
-          <p:cNvPr id="489807983" name=""/>
+          <p:cNvPr id="489807983" name="Szövegdoboz 489807982"/>
           <p:cNvSpPr txBox="1"/>
           <p:nvPr/>
         </p:nvSpPr>
         <p:spPr bwMode="auto">
-          <a:xfrm flipH="0" flipV="0">
+          <a:xfrm>
             <a:off x="5100559" y="4769826"/>
             <a:ext cx="2638772" cy="640115"/>
           </a:xfrm>
@@ -3765,9 +3759,10 @@
           <a:noFill/>
         </p:spPr>
         <p:txBody>
-          <a:bodyPr vertOverflow="overflow" horzOverflow="overflow" vert="horz" wrap="square" lIns="91440" tIns="45720" rIns="91440" bIns="45720" numCol="1" spcCol="0" rtlCol="0" fromWordArt="0" anchor="t" anchorCtr="0" forceAA="0" upright="0" compatLnSpc="0">
+          <a:bodyPr vertOverflow="overflow" horzOverflow="overflow" vert="horz" wrap="square" lIns="91440" tIns="45720" rIns="91440" bIns="45720" numCol="1" spcCol="0" rtlCol="0" fromWordArt="0" anchor="t" anchorCtr="0" forceAA="0" compatLnSpc="0">
             <a:spAutoFit/>
           </a:bodyPr>
+          <a:lstStyle/>
           <a:p>
             <a:pPr marL="283879" indent="-283879">
               <a:buFont typeface="Arial"/>
@@ -3778,7 +3773,6 @@
               <a:rPr/>
               <a:t>üzenet fogadasa</a:t>
             </a:r>
-            <a:endParaRPr/>
           </a:p>
           <a:p>
             <a:pPr marL="283879" indent="-283879">
@@ -3790,18 +3784,17 @@
               <a:rPr/>
               <a:t>megjelenitese</a:t>
             </a:r>
-            <a:endParaRPr/>
-          </a:p>
-        </p:txBody>
-      </p:sp>
-      <p:sp>
-        <p:nvSpPr>
-          <p:cNvPr id="788777149" name=""/>
+          </a:p>
+        </p:txBody>
+      </p:sp>
+      <p:sp>
+        <p:nvSpPr>
+          <p:cNvPr id="788777149" name="Szövegdoboz 788777148"/>
           <p:cNvSpPr txBox="1"/>
           <p:nvPr/>
         </p:nvSpPr>
         <p:spPr bwMode="auto">
-          <a:xfrm flipH="0" flipV="0">
+          <a:xfrm>
             <a:off x="5161604" y="940585"/>
             <a:ext cx="2641112" cy="1463076"/>
           </a:xfrm>
@@ -3811,9 +3804,10 @@
           <a:noFill/>
         </p:spPr>
         <p:txBody>
-          <a:bodyPr vertOverflow="overflow" horzOverflow="overflow" vert="horz" wrap="square" lIns="91440" tIns="45720" rIns="91440" bIns="45720" numCol="1" spcCol="0" rtlCol="0" fromWordArt="0" anchor="t" anchorCtr="0" forceAA="0" upright="0" compatLnSpc="0">
+          <a:bodyPr vertOverflow="overflow" horzOverflow="overflow" vert="horz" wrap="square" lIns="91440" tIns="45720" rIns="91440" bIns="45720" numCol="1" spcCol="0" rtlCol="0" fromWordArt="0" anchor="t" anchorCtr="0" forceAA="0" compatLnSpc="0">
             <a:spAutoFit/>
           </a:bodyPr>
+          <a:lstStyle/>
           <a:p>
             <a:pPr marL="283879" indent="-283879">
               <a:buFont typeface="Arial"/>
@@ -3824,7 +3818,6 @@
               <a:rPr/>
               <a:t>input szovege</a:t>
             </a:r>
-            <a:endParaRPr/>
           </a:p>
           <a:p>
             <a:pPr marL="283879" indent="-283879">
@@ -3836,7 +3829,6 @@
               <a:rPr/>
               <a:t>üzenet, es az adatok küldése</a:t>
             </a:r>
-            <a:endParaRPr/>
           </a:p>
           <a:p>
             <a:pPr marL="283879" indent="-283879">
@@ -3848,7 +3840,6 @@
               <a:rPr/>
               <a:t>megjelenitese</a:t>
             </a:r>
-            <a:endParaRPr/>
           </a:p>
           <a:p>
             <a:pPr marL="283879" indent="-283879">
@@ -3860,13 +3851,12 @@
               <a:rPr/>
               <a:t>websocket</a:t>
             </a:r>
-            <a:endParaRPr/>
           </a:p>
         </p:txBody>
       </p:sp>
       <p:cxnSp>
         <p:nvCxnSpPr>
-          <p:cNvPr id="0" name=""/>
+          <p:cNvPr id="9" name="Szögletes összekötő 8"/>
           <p:cNvCxnSpPr>
             <a:cxnSpLocks/>
             <a:stCxn id="1310193744" idx="2"/>
@@ -3874,7 +3864,7 @@
           <p:nvPr/>
         </p:nvCxnSpPr>
         <p:spPr bwMode="auto">
-          <a:xfrm rot="5399978" flipH="0" flipV="1">
+          <a:xfrm rot="5399978" flipV="1">
             <a:off x="7246833" y="2124537"/>
             <a:ext cx="215798" cy="2626921"/>
           </a:xfrm>
@@ -3901,7 +3891,7 @@
       </p:cxnSp>
       <p:cxnSp>
         <p:nvCxnSpPr>
-          <p:cNvPr id="0" name=""/>
+          <p:cNvPr id="10" name="Egyenes összekötő 9"/>
           <p:cNvCxnSpPr>
             <a:cxnSpLocks/>
           </p:cNvCxnSpPr>
@@ -3938,7 +3928,7 @@
       </p:cxnSp>
       <p:cxnSp>
         <p:nvCxnSpPr>
-          <p:cNvPr id="0" name=""/>
+          <p:cNvPr id="11" name="Egyenes összekötő 10"/>
           <p:cNvCxnSpPr>
             <a:cxnSpLocks/>
             <a:stCxn id="1310193744" idx="0"/>
@@ -3946,7 +3936,7 @@
           <p:nvPr/>
         </p:nvCxnSpPr>
         <p:spPr bwMode="auto">
-          <a:xfrm rot="16199969" flipH="0" flipV="1">
+          <a:xfrm rot="16199969" flipV="1">
             <a:off x="5757785" y="2683982"/>
             <a:ext cx="560641" cy="0"/>
           </a:xfrm>
@@ -3976,14 +3966,14 @@
       </p:cxnSp>
       <p:cxnSp>
         <p:nvCxnSpPr>
-          <p:cNvPr id="0" name=""/>
+          <p:cNvPr id="12" name="Szögletes összekötő 11"/>
           <p:cNvCxnSpPr>
             <a:cxnSpLocks/>
           </p:cNvCxnSpPr>
           <p:nvPr/>
         </p:nvCxnSpPr>
         <p:spPr bwMode="auto">
-          <a:xfrm flipH="0" flipV="0">
+          <a:xfrm>
             <a:off x="2112187" y="3905249"/>
             <a:ext cx="769937" cy="1008062"/>
           </a:xfrm>
@@ -4017,12 +4007,12 @@
       </p:cxnSp>
       <p:sp>
         <p:nvSpPr>
-          <p:cNvPr id="773567764" name=""/>
+          <p:cNvPr id="773567764" name="Szövegdoboz 773567763"/>
           <p:cNvSpPr txBox="1"/>
           <p:nvPr/>
         </p:nvSpPr>
         <p:spPr bwMode="auto">
-          <a:xfrm flipH="0" flipV="0">
+          <a:xfrm>
             <a:off x="2961499" y="4611687"/>
             <a:ext cx="1770674" cy="640115"/>
           </a:xfrm>
@@ -4032,9 +4022,10 @@
           <a:noFill/>
         </p:spPr>
         <p:txBody>
-          <a:bodyPr vertOverflow="overflow" horzOverflow="overflow" vert="horz" wrap="square" lIns="91440" tIns="45720" rIns="91440" bIns="45720" numCol="1" spcCol="0" rtlCol="0" fromWordArt="0" anchor="t" anchorCtr="0" forceAA="0" upright="0" compatLnSpc="0">
+          <a:bodyPr vertOverflow="overflow" horzOverflow="overflow" vert="horz" wrap="square" lIns="91440" tIns="45720" rIns="91440" bIns="45720" numCol="1" spcCol="0" rtlCol="0" fromWordArt="0" anchor="t" anchorCtr="0" forceAA="0" compatLnSpc="0">
             <a:spAutoFit/>
           </a:bodyPr>
+          <a:lstStyle/>
           <a:p>
             <a:pPr>
               <a:defRPr/>
@@ -4043,7 +4034,6 @@
               <a:rPr/>
               <a:t>uzenetek tarolasa</a:t>
             </a:r>
-            <a:endParaRPr/>
           </a:p>
         </p:txBody>
       </p:sp>
@@ -4052,634 +4042,19 @@
   <p:clrMapOvr>
     <a:masterClrMapping/>
   </p:clrMapOvr>
-  <mc:AlternateContent xmlns:mc="http://schemas.openxmlformats.org/markup-compatibility/2006">
-    <mc:Choice xmlns:p14="http://schemas.microsoft.com/office/powerpoint/2010/main" Requires="p14">
-      <p:transition p14:dur="2000" advClick="1"/>
+  <mc:AlternateContent xmlns:mc="http://schemas.openxmlformats.org/markup-compatibility/2006" xmlns:p14="http://schemas.microsoft.com/office/powerpoint/2010/main">
+    <mc:Choice Requires="p14">
+      <p:transition spd="slow" p14:dur="2000"/>
     </mc:Choice>
-    <mc:Fallback>
+    <mc:Fallback xmlns:w="http://schemas.openxmlformats.org/wordprocessingml/2006/main" xmlns:m="http://schemas.openxmlformats.org/officeDocument/2006/math" xmlns="">
       <p:transition advClick="1"/>
     </mc:Fallback>
   </mc:AlternateContent>
-  <p:timing>
-    <p:tnLst>
-      <p:par>
-        <p:cTn id="1" dur="indefinite" restart="never" nodeType="tmRoot">
-          <p:childTnLst>
-            <p:seq concurrent="1" nextAc="seek">
-              <p:cTn id="2" dur="indefinite" nodeType="mainSeq">
-                <p:childTnLst>
-                  <p:par>
-                    <p:cTn id="51" fill="hold">
-                      <p:stCondLst>
-                        <p:cond delay="indefinite"/>
-                      </p:stCondLst>
-                      <p:childTnLst>
-                        <p:par>
-                          <p:cTn id="52" fill="hold">
-                            <p:stCondLst>
-                              <p:cond delay="0"/>
-                            </p:stCondLst>
-                            <p:childTnLst>
-                              <p:par>
-                                <p:cTn id="53" presetID="1" presetClass="entr" presetSubtype="0" fill="hold" grpId="0" nodeType="clickEffect">
-                                  <p:stCondLst>
-                                    <p:cond delay="0"/>
-                                  </p:stCondLst>
-                                  <p:childTnLst>
-                                    <p:set>
-                                      <p:cBhvr>
-                                        <p:cTn id="54" dur="1" fill="hold">
-                                          <p:stCondLst>
-                                            <p:cond delay="0"/>
-                                          </p:stCondLst>
-                                        </p:cTn>
-                                        <p:tgtEl>
-                                          <p:spTgt spid="1446936183"/>
-                                        </p:tgtEl>
-                                        <p:attrNameLst>
-                                          <p:attrName>style.visibility</p:attrName>
-                                        </p:attrNameLst>
-                                      </p:cBhvr>
-                                      <p:to>
-                                        <p:strVal val="visible"/>
-                                      </p:to>
-                                    </p:set>
-                                  </p:childTnLst>
-                                </p:cTn>
-                              </p:par>
-                            </p:childTnLst>
-                          </p:cTn>
-                        </p:par>
-                      </p:childTnLst>
-                    </p:cTn>
-                  </p:par>
-                  <p:par>
-                    <p:cTn id="47" fill="hold">
-                      <p:stCondLst>
-                        <p:cond delay="indefinite"/>
-                      </p:stCondLst>
-                      <p:childTnLst>
-                        <p:par>
-                          <p:cTn id="48" fill="hold">
-                            <p:stCondLst>
-                              <p:cond delay="0"/>
-                            </p:stCondLst>
-                            <p:childTnLst>
-                              <p:par>
-                                <p:cTn id="49" presetID="1" presetClass="entr" presetSubtype="0" fill="hold" grpId="0" nodeType="clickEffect">
-                                  <p:stCondLst>
-                                    <p:cond delay="0"/>
-                                  </p:stCondLst>
-                                  <p:childTnLst>
-                                    <p:set>
-                                      <p:cBhvr>
-                                        <p:cTn id="50" dur="1" fill="hold">
-                                          <p:stCondLst>
-                                            <p:cond delay="0"/>
-                                          </p:stCondLst>
-                                        </p:cTn>
-                                        <p:tgtEl>
-                                          <p:spTgt spid="0"/>
-                                        </p:tgtEl>
-                                        <p:attrNameLst>
-                                          <p:attrName>style.visibility</p:attrName>
-                                        </p:attrNameLst>
-                                      </p:cBhvr>
-                                      <p:to>
-                                        <p:strVal val="visible"/>
-                                      </p:to>
-                                    </p:set>
-                                  </p:childTnLst>
-                                </p:cTn>
-                              </p:par>
-                            </p:childTnLst>
-                          </p:cTn>
-                        </p:par>
-                      </p:childTnLst>
-                    </p:cTn>
-                  </p:par>
-                  <p:par>
-                    <p:cTn id="43" fill="hold">
-                      <p:stCondLst>
-                        <p:cond delay="indefinite"/>
-                      </p:stCondLst>
-                      <p:childTnLst>
-                        <p:par>
-                          <p:cTn id="44" fill="hold">
-                            <p:stCondLst>
-                              <p:cond delay="0"/>
-                            </p:stCondLst>
-                            <p:childTnLst>
-                              <p:par>
-                                <p:cTn id="45" presetID="1" presetClass="entr" presetSubtype="0" fill="hold" grpId="0" nodeType="clickEffect">
-                                  <p:stCondLst>
-                                    <p:cond delay="0"/>
-                                  </p:stCondLst>
-                                  <p:childTnLst>
-                                    <p:set>
-                                      <p:cBhvr>
-                                        <p:cTn id="46" dur="1" fill="hold">
-                                          <p:stCondLst>
-                                            <p:cond delay="0"/>
-                                          </p:stCondLst>
-                                        </p:cTn>
-                                        <p:tgtEl>
-                                          <p:spTgt spid="1310193744"/>
-                                        </p:tgtEl>
-                                        <p:attrNameLst>
-                                          <p:attrName>style.visibility</p:attrName>
-                                        </p:attrNameLst>
-                                      </p:cBhvr>
-                                      <p:to>
-                                        <p:strVal val="visible"/>
-                                      </p:to>
-                                    </p:set>
-                                  </p:childTnLst>
-                                </p:cTn>
-                              </p:par>
-                            </p:childTnLst>
-                          </p:cTn>
-                        </p:par>
-                      </p:childTnLst>
-                    </p:cTn>
-                  </p:par>
-                  <p:par>
-                    <p:cTn id="39" fill="hold">
-                      <p:stCondLst>
-                        <p:cond delay="indefinite"/>
-                      </p:stCondLst>
-                      <p:childTnLst>
-                        <p:par>
-                          <p:cTn id="40" fill="hold">
-                            <p:stCondLst>
-                              <p:cond delay="0"/>
-                            </p:stCondLst>
-                            <p:childTnLst>
-                              <p:par>
-                                <p:cTn id="41" presetID="1" presetClass="entr" presetSubtype="0" fill="hold" grpId="0" nodeType="clickEffect">
-                                  <p:stCondLst>
-                                    <p:cond delay="0"/>
-                                  </p:stCondLst>
-                                  <p:childTnLst>
-                                    <p:set>
-                                      <p:cBhvr>
-                                        <p:cTn id="42" dur="1" fill="hold">
-                                          <p:stCondLst>
-                                            <p:cond delay="0"/>
-                                          </p:stCondLst>
-                                        </p:cTn>
-                                        <p:tgtEl>
-                                          <p:spTgt spid="0"/>
-                                        </p:tgtEl>
-                                        <p:attrNameLst>
-                                          <p:attrName>style.visibility</p:attrName>
-                                        </p:attrNameLst>
-                                      </p:cBhvr>
-                                      <p:to>
-                                        <p:strVal val="visible"/>
-                                      </p:to>
-                                    </p:set>
-                                  </p:childTnLst>
-                                </p:cTn>
-                              </p:par>
-                            </p:childTnLst>
-                          </p:cTn>
-                        </p:par>
-                      </p:childTnLst>
-                    </p:cTn>
-                  </p:par>
-                  <p:par>
-                    <p:cTn id="35" fill="hold">
-                      <p:stCondLst>
-                        <p:cond delay="indefinite"/>
-                      </p:stCondLst>
-                      <p:childTnLst>
-                        <p:par>
-                          <p:cTn id="36" fill="hold">
-                            <p:stCondLst>
-                              <p:cond delay="0"/>
-                            </p:stCondLst>
-                            <p:childTnLst>
-                              <p:par>
-                                <p:cTn id="37" presetID="1" presetClass="entr" presetSubtype="0" fill="hold" grpId="0" nodeType="clickEffect">
-                                  <p:stCondLst>
-                                    <p:cond delay="0"/>
-                                  </p:stCondLst>
-                                  <p:childTnLst>
-                                    <p:set>
-                                      <p:cBhvr>
-                                        <p:cTn id="38" dur="1" fill="hold">
-                                          <p:stCondLst>
-                                            <p:cond delay="0"/>
-                                          </p:stCondLst>
-                                        </p:cTn>
-                                        <p:tgtEl>
-                                          <p:spTgt spid="0"/>
-                                        </p:tgtEl>
-                                        <p:attrNameLst>
-                                          <p:attrName>style.visibility</p:attrName>
-                                        </p:attrNameLst>
-                                      </p:cBhvr>
-                                      <p:to>
-                                        <p:strVal val="visible"/>
-                                      </p:to>
-                                    </p:set>
-                                  </p:childTnLst>
-                                </p:cTn>
-                              </p:par>
-                            </p:childTnLst>
-                          </p:cTn>
-                        </p:par>
-                      </p:childTnLst>
-                    </p:cTn>
-                  </p:par>
-                  <p:par>
-                    <p:cTn id="31" fill="hold">
-                      <p:stCondLst>
-                        <p:cond delay="indefinite"/>
-                      </p:stCondLst>
-                      <p:childTnLst>
-                        <p:par>
-                          <p:cTn id="32" fill="hold">
-                            <p:stCondLst>
-                              <p:cond delay="0"/>
-                            </p:stCondLst>
-                            <p:childTnLst>
-                              <p:par>
-                                <p:cTn id="33" presetID="1" presetClass="entr" presetSubtype="0" fill="hold" grpId="0" nodeType="clickEffect">
-                                  <p:stCondLst>
-                                    <p:cond delay="0"/>
-                                  </p:stCondLst>
-                                  <p:childTnLst>
-                                    <p:set>
-                                      <p:cBhvr>
-                                        <p:cTn id="34" dur="1" fill="hold">
-                                          <p:stCondLst>
-                                            <p:cond delay="0"/>
-                                          </p:stCondLst>
-                                        </p:cTn>
-                                        <p:tgtEl>
-                                          <p:spTgt spid="459380159"/>
-                                        </p:tgtEl>
-                                        <p:attrNameLst>
-                                          <p:attrName>style.visibility</p:attrName>
-                                        </p:attrNameLst>
-                                      </p:cBhvr>
-                                      <p:to>
-                                        <p:strVal val="visible"/>
-                                      </p:to>
-                                    </p:set>
-                                  </p:childTnLst>
-                                </p:cTn>
-                              </p:par>
-                            </p:childTnLst>
-                          </p:cTn>
-                        </p:par>
-                      </p:childTnLst>
-                    </p:cTn>
-                  </p:par>
-                  <p:par>
-                    <p:cTn id="27" fill="hold">
-                      <p:stCondLst>
-                        <p:cond delay="indefinite"/>
-                      </p:stCondLst>
-                      <p:childTnLst>
-                        <p:par>
-                          <p:cTn id="28" fill="hold">
-                            <p:stCondLst>
-                              <p:cond delay="0"/>
-                            </p:stCondLst>
-                            <p:childTnLst>
-                              <p:par>
-                                <p:cTn id="29" presetID="1" presetClass="entr" presetSubtype="0" fill="hold" grpId="0" nodeType="clickEffect">
-                                  <p:stCondLst>
-                                    <p:cond delay="0"/>
-                                  </p:stCondLst>
-                                  <p:childTnLst>
-                                    <p:set>
-                                      <p:cBhvr>
-                                        <p:cTn id="30" dur="1" fill="hold">
-                                          <p:stCondLst>
-                                            <p:cond delay="0"/>
-                                          </p:stCondLst>
-                                        </p:cTn>
-                                        <p:tgtEl>
-                                          <p:spTgt spid="0"/>
-                                        </p:tgtEl>
-                                        <p:attrNameLst>
-                                          <p:attrName>style.visibility</p:attrName>
-                                        </p:attrNameLst>
-                                      </p:cBhvr>
-                                      <p:to>
-                                        <p:strVal val="visible"/>
-                                      </p:to>
-                                    </p:set>
-                                  </p:childTnLst>
-                                </p:cTn>
-                              </p:par>
-                            </p:childTnLst>
-                          </p:cTn>
-                        </p:par>
-                      </p:childTnLst>
-                    </p:cTn>
-                  </p:par>
-                  <p:par>
-                    <p:cTn id="23" fill="hold">
-                      <p:stCondLst>
-                        <p:cond delay="indefinite"/>
-                      </p:stCondLst>
-                      <p:childTnLst>
-                        <p:par>
-                          <p:cTn id="24" fill="hold">
-                            <p:stCondLst>
-                              <p:cond delay="0"/>
-                            </p:stCondLst>
-                            <p:childTnLst>
-                              <p:par>
-                                <p:cTn id="25" presetID="1" presetClass="entr" presetSubtype="0" fill="hold" grpId="0" nodeType="clickEffect">
-                                  <p:stCondLst>
-                                    <p:cond delay="0"/>
-                                  </p:stCondLst>
-                                  <p:childTnLst>
-                                    <p:set>
-                                      <p:cBhvr>
-                                        <p:cTn id="26" dur="1" fill="hold">
-                                          <p:stCondLst>
-                                            <p:cond delay="0"/>
-                                          </p:stCondLst>
-                                        </p:cTn>
-                                        <p:tgtEl>
-                                          <p:spTgt spid="1412403431"/>
-                                        </p:tgtEl>
-                                        <p:attrNameLst>
-                                          <p:attrName>style.visibility</p:attrName>
-                                        </p:attrNameLst>
-                                      </p:cBhvr>
-                                      <p:to>
-                                        <p:strVal val="visible"/>
-                                      </p:to>
-                                    </p:set>
-                                  </p:childTnLst>
-                                </p:cTn>
-                              </p:par>
-                            </p:childTnLst>
-                          </p:cTn>
-                        </p:par>
-                      </p:childTnLst>
-                    </p:cTn>
-                  </p:par>
-                  <p:par>
-                    <p:cTn id="19" fill="hold">
-                      <p:stCondLst>
-                        <p:cond delay="indefinite"/>
-                      </p:stCondLst>
-                      <p:childTnLst>
-                        <p:par>
-                          <p:cTn id="20" fill="hold">
-                            <p:stCondLst>
-                              <p:cond delay="0"/>
-                            </p:stCondLst>
-                            <p:childTnLst>
-                              <p:par>
-                                <p:cTn id="21" presetID="1" presetClass="entr" presetSubtype="0" fill="hold" grpId="0" nodeType="clickEffect">
-                                  <p:stCondLst>
-                                    <p:cond delay="0"/>
-                                  </p:stCondLst>
-                                  <p:childTnLst>
-                                    <p:set>
-                                      <p:cBhvr>
-                                        <p:cTn id="22" dur="1" fill="hold">
-                                          <p:stCondLst>
-                                            <p:cond delay="0"/>
-                                          </p:stCondLst>
-                                        </p:cTn>
-                                        <p:tgtEl>
-                                          <p:spTgt spid="0"/>
-                                        </p:tgtEl>
-                                        <p:attrNameLst>
-                                          <p:attrName>style.visibility</p:attrName>
-                                        </p:attrNameLst>
-                                      </p:cBhvr>
-                                      <p:to>
-                                        <p:strVal val="visible"/>
-                                      </p:to>
-                                    </p:set>
-                                  </p:childTnLst>
-                                </p:cTn>
-                              </p:par>
-                            </p:childTnLst>
-                          </p:cTn>
-                        </p:par>
-                      </p:childTnLst>
-                    </p:cTn>
-                  </p:par>
-                  <p:par>
-                    <p:cTn id="15" fill="hold">
-                      <p:stCondLst>
-                        <p:cond delay="indefinite"/>
-                      </p:stCondLst>
-                      <p:childTnLst>
-                        <p:par>
-                          <p:cTn id="16" fill="hold">
-                            <p:stCondLst>
-                              <p:cond delay="0"/>
-                            </p:stCondLst>
-                            <p:childTnLst>
-                              <p:par>
-                                <p:cTn id="17" presetID="1" presetClass="entr" presetSubtype="0" fill="hold" grpId="0" nodeType="clickEffect">
-                                  <p:stCondLst>
-                                    <p:cond delay="0"/>
-                                  </p:stCondLst>
-                                  <p:childTnLst>
-                                    <p:set>
-                                      <p:cBhvr>
-                                        <p:cTn id="18" dur="1" fill="hold">
-                                          <p:stCondLst>
-                                            <p:cond delay="0"/>
-                                          </p:stCondLst>
-                                        </p:cTn>
-                                        <p:tgtEl>
-                                          <p:spTgt spid="0"/>
-                                        </p:tgtEl>
-                                        <p:attrNameLst>
-                                          <p:attrName>style.visibility</p:attrName>
-                                        </p:attrNameLst>
-                                      </p:cBhvr>
-                                      <p:to>
-                                        <p:strVal val="visible"/>
-                                      </p:to>
-                                    </p:set>
-                                  </p:childTnLst>
-                                </p:cTn>
-                              </p:par>
-                            </p:childTnLst>
-                          </p:cTn>
-                        </p:par>
-                      </p:childTnLst>
-                    </p:cTn>
-                  </p:par>
-                  <p:par>
-                    <p:cTn id="11" fill="hold">
-                      <p:stCondLst>
-                        <p:cond delay="indefinite"/>
-                      </p:stCondLst>
-                      <p:childTnLst>
-                        <p:par>
-                          <p:cTn id="12" fill="hold">
-                            <p:stCondLst>
-                              <p:cond delay="0"/>
-                            </p:stCondLst>
-                            <p:childTnLst>
-                              <p:par>
-                                <p:cTn id="13" presetID="1" presetClass="entr" presetSubtype="0" fill="hold" grpId="0" nodeType="clickEffect">
-                                  <p:stCondLst>
-                                    <p:cond delay="0"/>
-                                  </p:stCondLst>
-                                  <p:childTnLst>
-                                    <p:set>
-                                      <p:cBhvr>
-                                        <p:cTn id="14" dur="1" fill="hold">
-                                          <p:stCondLst>
-                                            <p:cond delay="0"/>
-                                          </p:stCondLst>
-                                        </p:cTn>
-                                        <p:tgtEl>
-                                          <p:spTgt spid="694210246"/>
-                                        </p:tgtEl>
-                                        <p:attrNameLst>
-                                          <p:attrName>style.visibility</p:attrName>
-                                        </p:attrNameLst>
-                                      </p:cBhvr>
-                                      <p:to>
-                                        <p:strVal val="visible"/>
-                                      </p:to>
-                                    </p:set>
-                                  </p:childTnLst>
-                                </p:cTn>
-                              </p:par>
-                            </p:childTnLst>
-                          </p:cTn>
-                        </p:par>
-                      </p:childTnLst>
-                    </p:cTn>
-                  </p:par>
-                  <p:par>
-                    <p:cTn id="7" fill="hold">
-                      <p:stCondLst>
-                        <p:cond delay="indefinite"/>
-                      </p:stCondLst>
-                      <p:childTnLst>
-                        <p:par>
-                          <p:cTn id="8" fill="hold">
-                            <p:stCondLst>
-                              <p:cond delay="0"/>
-                            </p:stCondLst>
-                            <p:childTnLst>
-                              <p:par>
-                                <p:cTn id="9" presetID="1" presetClass="entr" presetSubtype="0" fill="hold" grpId="0" nodeType="clickEffect">
-                                  <p:stCondLst>
-                                    <p:cond delay="0"/>
-                                  </p:stCondLst>
-                                  <p:childTnLst>
-                                    <p:set>
-                                      <p:cBhvr>
-                                        <p:cTn id="10" dur="1" fill="hold">
-                                          <p:stCondLst>
-                                            <p:cond delay="0"/>
-                                          </p:stCondLst>
-                                        </p:cTn>
-                                        <p:tgtEl>
-                                          <p:spTgt spid="0"/>
-                                        </p:tgtEl>
-                                        <p:attrNameLst>
-                                          <p:attrName>style.visibility</p:attrName>
-                                        </p:attrNameLst>
-                                      </p:cBhvr>
-                                      <p:to>
-                                        <p:strVal val="visible"/>
-                                      </p:to>
-                                    </p:set>
-                                  </p:childTnLst>
-                                </p:cTn>
-                              </p:par>
-                            </p:childTnLst>
-                          </p:cTn>
-                        </p:par>
-                      </p:childTnLst>
-                    </p:cTn>
-                  </p:par>
-                  <p:par>
-                    <p:cTn id="3" fill="hold">
-                      <p:stCondLst>
-                        <p:cond delay="indefinite"/>
-                      </p:stCondLst>
-                      <p:childTnLst>
-                        <p:par>
-                          <p:cTn id="4" fill="hold">
-                            <p:stCondLst>
-                              <p:cond delay="0"/>
-                            </p:stCondLst>
-                            <p:childTnLst>
-                              <p:par>
-                                <p:cTn id="5" presetID="1" presetClass="entr" presetSubtype="0" fill="hold" grpId="0" nodeType="clickEffect">
-                                  <p:stCondLst>
-                                    <p:cond delay="0"/>
-                                  </p:stCondLst>
-                                  <p:childTnLst>
-                                    <p:set>
-                                      <p:cBhvr>
-                                        <p:cTn id="6" dur="1" fill="hold">
-                                          <p:stCondLst>
-                                            <p:cond delay="0"/>
-                                          </p:stCondLst>
-                                        </p:cTn>
-                                        <p:tgtEl>
-                                          <p:spTgt spid="784423065"/>
-                                        </p:tgtEl>
-                                        <p:attrNameLst>
-                                          <p:attrName>style.visibility</p:attrName>
-                                        </p:attrNameLst>
-                                      </p:cBhvr>
-                                      <p:to>
-                                        <p:strVal val="visible"/>
-                                      </p:to>
-                                    </p:set>
-                                  </p:childTnLst>
-                                </p:cTn>
-                              </p:par>
-                            </p:childTnLst>
-                          </p:cTn>
-                        </p:par>
-                      </p:childTnLst>
-                    </p:cTn>
-                  </p:par>
-                </p:childTnLst>
-              </p:cTn>
-              <p:prevCondLst>
-                <p:cond evt="onPrev" delay="0">
-                  <p:tgtEl>
-                    <p:sldTgt/>
-                  </p:tgtEl>
-                </p:cond>
-              </p:prevCondLst>
-              <p:nextCondLst>
-                <p:cond evt="onNext" delay="0">
-                  <p:tgtEl>
-                    <p:sldTgt/>
-                  </p:tgtEl>
-                </p:cond>
-              </p:nextCondLst>
-            </p:seq>
-          </p:childTnLst>
-        </p:cTn>
-      </p:par>
-    </p:tnLst>
-  </p:timing>
 </p:sld>
 </file>
 
 <file path=ppt/theme/theme1.xml><?xml version="1.0" encoding="utf-8"?>
-<a:theme xmlns:a="http://schemas.openxmlformats.org/drawingml/2006/main" xmlns:r="http://schemas.openxmlformats.org/officeDocument/2006/relationships" xmlns:p="http://schemas.openxmlformats.org/presentationml/2006/main" name="Office Theme">
+<a:theme xmlns:a="http://schemas.openxmlformats.org/drawingml/2006/main" name="Office Theme">
   <a:themeElements>
     <a:clrScheme name="New Office">
       <a:dk1>
@@ -4882,5 +4257,6 @@
     </a:fmtScheme>
   </a:themeElements>
   <a:objectDefaults/>
+  <a:extraClrSchemeLst/>
 </a:theme>
 </file>